--- a/sketchbook.pptx
+++ b/sketchbook.pptx
@@ -7,6 +7,7 @@
   <p:sldIdLst>
     <p:sldId id="256" r:id="rId2"/>
     <p:sldId id="257" r:id="rId3"/>
+    <p:sldId id="258" r:id="rId4"/>
   </p:sldIdLst>
   <p:sldSz cx="12192000" cy="6858000"/>
   <p:notesSz cx="6858000" cy="9144000"/>
@@ -105,19 +106,183 @@
       </a:defRPr>
     </a:lvl9pPr>
   </p:defaultTextStyle>
+  <p:extLst>
+    <p:ext uri="{EFAFB233-063F-42B5-8137-9DF3F51BA10A}">
+      <p15:sldGuideLst xmlns:p15="http://schemas.microsoft.com/office/powerpoint/2012/main"/>
+    </p:ext>
+  </p:extLst>
 </p:presentation>
 </file>
 
 <file path=ppt/revisionInfo.xml><?xml version="1.0" encoding="utf-8"?>
 <p1510:revInfo xmlns:a="http://schemas.openxmlformats.org/drawingml/2006/main" xmlns:r="http://schemas.openxmlformats.org/officeDocument/2006/relationships" xmlns:p1510="http://schemas.microsoft.com/office/powerpoint/2015/10/main">
   <p1510:revLst>
-    <p1510:client id="{D0110907-1906-4BB6-BD34-1C5A3B08B8CF}" v="59" dt="2020-11-30T21:39:32.582"/>
+    <p1510:client id="{63A4A104-CA01-4F8F-BA30-E276A7F7CD5E}" v="6" dt="2021-08-22T08:24:23.639"/>
   </p1510:revLst>
 </p1510:revInfo>
 </file>
 
 <file path=ppt/changesInfos/changesInfo1.xml><?xml version="1.0" encoding="utf-8"?>
 <pc:chgInfo xmlns:a="http://schemas.openxmlformats.org/drawingml/2006/main" xmlns:r="http://schemas.openxmlformats.org/officeDocument/2006/relationships" xmlns:ac="http://schemas.microsoft.com/office/drawing/2013/main/command" xmlns:pc="http://schemas.microsoft.com/office/powerpoint/2013/main/command">
+  <pc:docChgLst>
+    <pc:chgData name="唐 震宇" userId="afab4f9738b8280b" providerId="LiveId" clId="{63A4A104-CA01-4F8F-BA30-E276A7F7CD5E}"/>
+    <pc:docChg chg="undo custSel addSld delSld modSld sldOrd">
+      <pc:chgData name="唐 震宇" userId="afab4f9738b8280b" providerId="LiveId" clId="{63A4A104-CA01-4F8F-BA30-E276A7F7CD5E}" dt="2021-08-22T08:25:02.120" v="351" actId="20577"/>
+      <pc:docMkLst>
+        <pc:docMk/>
+      </pc:docMkLst>
+      <pc:sldChg chg="addSp delSp modSp add mod">
+        <pc:chgData name="唐 震宇" userId="afab4f9738b8280b" providerId="LiveId" clId="{63A4A104-CA01-4F8F-BA30-E276A7F7CD5E}" dt="2021-08-22T08:25:02.120" v="351" actId="20577"/>
+        <pc:sldMkLst>
+          <pc:docMk/>
+          <pc:sldMk cId="1823947985" sldId="258"/>
+        </pc:sldMkLst>
+        <pc:spChg chg="add mod">
+          <ac:chgData name="唐 震宇" userId="afab4f9738b8280b" providerId="LiveId" clId="{63A4A104-CA01-4F8F-BA30-E276A7F7CD5E}" dt="2021-08-22T06:56:05.318" v="291" actId="1076"/>
+          <ac:spMkLst>
+            <pc:docMk/>
+            <pc:sldMk cId="1823947985" sldId="258"/>
+            <ac:spMk id="2" creationId="{D883025B-9371-4B64-9765-92E491A39D13}"/>
+          </ac:spMkLst>
+        </pc:spChg>
+        <pc:spChg chg="add mod">
+          <ac:chgData name="唐 震宇" userId="afab4f9738b8280b" providerId="LiveId" clId="{63A4A104-CA01-4F8F-BA30-E276A7F7CD5E}" dt="2021-08-22T08:24:45.043" v="344" actId="1076"/>
+          <ac:spMkLst>
+            <pc:docMk/>
+            <pc:sldMk cId="1823947985" sldId="258"/>
+            <ac:spMk id="10" creationId="{34C9DBF4-CD33-443C-8AB1-45C2B5571234}"/>
+          </ac:spMkLst>
+        </pc:spChg>
+        <pc:spChg chg="add del mod">
+          <ac:chgData name="唐 震宇" userId="afab4f9738b8280b" providerId="LiveId" clId="{63A4A104-CA01-4F8F-BA30-E276A7F7CD5E}" dt="2021-08-22T08:24:22.992" v="339"/>
+          <ac:spMkLst>
+            <pc:docMk/>
+            <pc:sldMk cId="1823947985" sldId="258"/>
+            <ac:spMk id="20" creationId="{33E25B87-2DBD-481D-A0CF-FA70DF659413}"/>
+          </ac:spMkLst>
+        </pc:spChg>
+        <pc:spChg chg="add del mod">
+          <ac:chgData name="唐 震宇" userId="afab4f9738b8280b" providerId="LiveId" clId="{63A4A104-CA01-4F8F-BA30-E276A7F7CD5E}" dt="2021-08-22T08:24:22.992" v="339"/>
+          <ac:spMkLst>
+            <pc:docMk/>
+            <pc:sldMk cId="1823947985" sldId="258"/>
+            <ac:spMk id="21" creationId="{1DF60B64-BF63-4BCF-9611-7BC644D99A7B}"/>
+          </ac:spMkLst>
+        </pc:spChg>
+        <pc:spChg chg="add del mod">
+          <ac:chgData name="唐 震宇" userId="afab4f9738b8280b" providerId="LiveId" clId="{63A4A104-CA01-4F8F-BA30-E276A7F7CD5E}" dt="2021-08-22T06:55:47.371" v="288" actId="1076"/>
+          <ac:spMkLst>
+            <pc:docMk/>
+            <pc:sldMk cId="1823947985" sldId="258"/>
+            <ac:spMk id="22" creationId="{70490AE0-7CDE-4824-AF4B-F3F9D0B096F3}"/>
+          </ac:spMkLst>
+        </pc:spChg>
+        <pc:spChg chg="mod">
+          <ac:chgData name="唐 震宇" userId="afab4f9738b8280b" providerId="LiveId" clId="{63A4A104-CA01-4F8F-BA30-E276A7F7CD5E}" dt="2021-08-22T07:04:39.135" v="333" actId="14100"/>
+          <ac:spMkLst>
+            <pc:docMk/>
+            <pc:sldMk cId="1823947985" sldId="258"/>
+            <ac:spMk id="24" creationId="{761C6EB7-603B-400A-82CB-0E36A3F2CA41}"/>
+          </ac:spMkLst>
+        </pc:spChg>
+        <pc:spChg chg="add mod">
+          <ac:chgData name="唐 震宇" userId="afab4f9738b8280b" providerId="LiveId" clId="{63A4A104-CA01-4F8F-BA30-E276A7F7CD5E}" dt="2021-08-22T08:24:58.311" v="349" actId="1076"/>
+          <ac:spMkLst>
+            <pc:docMk/>
+            <pc:sldMk cId="1823947985" sldId="258"/>
+            <ac:spMk id="27" creationId="{440F10CB-0959-4909-80CC-0DDF59C412BB}"/>
+          </ac:spMkLst>
+        </pc:spChg>
+        <pc:spChg chg="add mod">
+          <ac:chgData name="唐 震宇" userId="afab4f9738b8280b" providerId="LiveId" clId="{63A4A104-CA01-4F8F-BA30-E276A7F7CD5E}" dt="2021-08-22T08:25:02.120" v="351" actId="20577"/>
+          <ac:spMkLst>
+            <pc:docMk/>
+            <pc:sldMk cId="1823947985" sldId="258"/>
+            <ac:spMk id="28" creationId="{95A76AD0-A301-44F4-80AD-69F5D8DE2212}"/>
+          </ac:spMkLst>
+        </pc:spChg>
+        <pc:graphicFrameChg chg="add mod modGraphic">
+          <ac:chgData name="唐 震宇" userId="afab4f9738b8280b" providerId="LiveId" clId="{63A4A104-CA01-4F8F-BA30-E276A7F7CD5E}" dt="2021-08-22T08:24:45.043" v="344" actId="1076"/>
+          <ac:graphicFrameMkLst>
+            <pc:docMk/>
+            <pc:sldMk cId="1823947985" sldId="258"/>
+            <ac:graphicFrameMk id="9" creationId="{5956A54D-DF5A-4556-B954-27232FA7A398}"/>
+          </ac:graphicFrameMkLst>
+        </pc:graphicFrameChg>
+        <pc:picChg chg="add del mod">
+          <ac:chgData name="唐 震宇" userId="afab4f9738b8280b" providerId="LiveId" clId="{63A4A104-CA01-4F8F-BA30-E276A7F7CD5E}" dt="2021-08-22T08:24:53.950" v="348" actId="1076"/>
+          <ac:picMkLst>
+            <pc:docMk/>
+            <pc:sldMk cId="1823947985" sldId="258"/>
+            <ac:picMk id="25" creationId="{07A8D77F-6312-4946-9D97-B805D1CAAEAB}"/>
+          </ac:picMkLst>
+        </pc:picChg>
+        <pc:cxnChg chg="add del mod">
+          <ac:chgData name="唐 震宇" userId="afab4f9738b8280b" providerId="LiveId" clId="{63A4A104-CA01-4F8F-BA30-E276A7F7CD5E}" dt="2021-08-22T07:04:39.135" v="333" actId="14100"/>
+          <ac:cxnSpMkLst>
+            <pc:docMk/>
+            <pc:sldMk cId="1823947985" sldId="258"/>
+            <ac:cxnSpMk id="8" creationId="{8C9F7433-D5EB-4EDD-BA2C-34633A487206}"/>
+          </ac:cxnSpMkLst>
+        </pc:cxnChg>
+        <pc:cxnChg chg="add del mod">
+          <ac:chgData name="唐 震宇" userId="afab4f9738b8280b" providerId="LiveId" clId="{63A4A104-CA01-4F8F-BA30-E276A7F7CD5E}" dt="2021-08-22T08:24:22.992" v="339"/>
+          <ac:cxnSpMkLst>
+            <pc:docMk/>
+            <pc:sldMk cId="1823947985" sldId="258"/>
+            <ac:cxnSpMk id="17" creationId="{10E1268A-5AE1-4411-B1B4-1A7CC0F3C1A1}"/>
+          </ac:cxnSpMkLst>
+        </pc:cxnChg>
+        <pc:cxnChg chg="add del mod">
+          <ac:chgData name="唐 震宇" userId="afab4f9738b8280b" providerId="LiveId" clId="{63A4A104-CA01-4F8F-BA30-E276A7F7CD5E}" dt="2021-08-22T07:04:39.135" v="333" actId="14100"/>
+          <ac:cxnSpMkLst>
+            <pc:docMk/>
+            <pc:sldMk cId="1823947985" sldId="258"/>
+            <ac:cxnSpMk id="18" creationId="{28C3C07A-B4DF-4AC8-9EBA-1688EA317900}"/>
+          </ac:cxnSpMkLst>
+        </pc:cxnChg>
+        <pc:cxnChg chg="add del mod">
+          <ac:chgData name="唐 震宇" userId="afab4f9738b8280b" providerId="LiveId" clId="{63A4A104-CA01-4F8F-BA30-E276A7F7CD5E}" dt="2021-08-22T08:24:22.992" v="339"/>
+          <ac:cxnSpMkLst>
+            <pc:docMk/>
+            <pc:sldMk cId="1823947985" sldId="258"/>
+            <ac:cxnSpMk id="19" creationId="{B5F432F0-C777-43A5-8537-310723480BA9}"/>
+          </ac:cxnSpMkLst>
+        </pc:cxnChg>
+        <pc:cxnChg chg="add mod">
+          <ac:chgData name="唐 震宇" userId="afab4f9738b8280b" providerId="LiveId" clId="{63A4A104-CA01-4F8F-BA30-E276A7F7CD5E}" dt="2021-08-22T08:24:29.823" v="341" actId="1076"/>
+          <ac:cxnSpMkLst>
+            <pc:docMk/>
+            <pc:sldMk cId="1823947985" sldId="258"/>
+            <ac:cxnSpMk id="23" creationId="{4F4C5BA0-6D85-4667-A5DF-86287FEEB2D6}"/>
+          </ac:cxnSpMkLst>
+        </pc:cxnChg>
+        <pc:cxnChg chg="add mod">
+          <ac:chgData name="唐 震宇" userId="afab4f9738b8280b" providerId="LiveId" clId="{63A4A104-CA01-4F8F-BA30-E276A7F7CD5E}" dt="2021-08-22T08:24:29.823" v="341" actId="1076"/>
+          <ac:cxnSpMkLst>
+            <pc:docMk/>
+            <pc:sldMk cId="1823947985" sldId="258"/>
+            <ac:cxnSpMk id="26" creationId="{0A5A9637-66B5-4DB9-81F2-17DC41F8BE79}"/>
+          </ac:cxnSpMkLst>
+        </pc:cxnChg>
+      </pc:sldChg>
+      <pc:sldChg chg="modSp add del mod ord">
+        <pc:chgData name="唐 震宇" userId="afab4f9738b8280b" providerId="LiveId" clId="{63A4A104-CA01-4F8F-BA30-E276A7F7CD5E}" dt="2021-08-22T06:49:07.266" v="5" actId="47"/>
+        <pc:sldMkLst>
+          <pc:docMk/>
+          <pc:sldMk cId="2672215293" sldId="258"/>
+        </pc:sldMkLst>
+        <pc:graphicFrameChg chg="mod">
+          <ac:chgData name="唐 震宇" userId="afab4f9738b8280b" providerId="LiveId" clId="{63A4A104-CA01-4F8F-BA30-E276A7F7CD5E}" dt="2021-08-22T06:49:05.409" v="4" actId="1076"/>
+          <ac:graphicFrameMkLst>
+            <pc:docMk/>
+            <pc:sldMk cId="2672215293" sldId="258"/>
+            <ac:graphicFrameMk id="5" creationId="{EAC6CE38-15AC-4AA7-991E-321F174E3AB0}"/>
+          </ac:graphicFrameMkLst>
+        </pc:graphicFrameChg>
+      </pc:sldChg>
+    </pc:docChg>
+  </pc:docChgLst>
   <pc:docChgLst>
     <pc:chgData name="唐 震宇" userId="afab4f9738b8280b" providerId="LiveId" clId="{D0110907-1906-4BB6-BD34-1C5A3B08B8CF}"/>
     <pc:docChg chg="undo redo custSel mod addSld modSld">
@@ -459,7 +624,7 @@
           <a:p>
             <a:fld id="{C8BC19B1-CC01-44C6-B518-3FF6E7FE4FAA}" type="datetimeFigureOut">
               <a:rPr lang="zh-CN" altLang="en-US" smtClean="0"/>
-              <a:t>2020-11-30</a:t>
+              <a:t>2021-08-22</a:t>
             </a:fld>
             <a:endParaRPr lang="zh-CN" altLang="en-US"/>
           </a:p>
@@ -657,7 +822,7 @@
           <a:p>
             <a:fld id="{C8BC19B1-CC01-44C6-B518-3FF6E7FE4FAA}" type="datetimeFigureOut">
               <a:rPr lang="zh-CN" altLang="en-US" smtClean="0"/>
-              <a:t>2020-11-30</a:t>
+              <a:t>2021-08-22</a:t>
             </a:fld>
             <a:endParaRPr lang="zh-CN" altLang="en-US"/>
           </a:p>
@@ -865,7 +1030,7 @@
           <a:p>
             <a:fld id="{C8BC19B1-CC01-44C6-B518-3FF6E7FE4FAA}" type="datetimeFigureOut">
               <a:rPr lang="zh-CN" altLang="en-US" smtClean="0"/>
-              <a:t>2020-11-30</a:t>
+              <a:t>2021-08-22</a:t>
             </a:fld>
             <a:endParaRPr lang="zh-CN" altLang="en-US"/>
           </a:p>
@@ -1063,7 +1228,7 @@
           <a:p>
             <a:fld id="{C8BC19B1-CC01-44C6-B518-3FF6E7FE4FAA}" type="datetimeFigureOut">
               <a:rPr lang="zh-CN" altLang="en-US" smtClean="0"/>
-              <a:t>2020-11-30</a:t>
+              <a:t>2021-08-22</a:t>
             </a:fld>
             <a:endParaRPr lang="zh-CN" altLang="en-US"/>
           </a:p>
@@ -1338,7 +1503,7 @@
           <a:p>
             <a:fld id="{C8BC19B1-CC01-44C6-B518-3FF6E7FE4FAA}" type="datetimeFigureOut">
               <a:rPr lang="zh-CN" altLang="en-US" smtClean="0"/>
-              <a:t>2020-11-30</a:t>
+              <a:t>2021-08-22</a:t>
             </a:fld>
             <a:endParaRPr lang="zh-CN" altLang="en-US"/>
           </a:p>
@@ -1603,7 +1768,7 @@
           <a:p>
             <a:fld id="{C8BC19B1-CC01-44C6-B518-3FF6E7FE4FAA}" type="datetimeFigureOut">
               <a:rPr lang="zh-CN" altLang="en-US" smtClean="0"/>
-              <a:t>2020-11-30</a:t>
+              <a:t>2021-08-22</a:t>
             </a:fld>
             <a:endParaRPr lang="zh-CN" altLang="en-US"/>
           </a:p>
@@ -2015,7 +2180,7 @@
           <a:p>
             <a:fld id="{C8BC19B1-CC01-44C6-B518-3FF6E7FE4FAA}" type="datetimeFigureOut">
               <a:rPr lang="zh-CN" altLang="en-US" smtClean="0"/>
-              <a:t>2020-11-30</a:t>
+              <a:t>2021-08-22</a:t>
             </a:fld>
             <a:endParaRPr lang="zh-CN" altLang="en-US"/>
           </a:p>
@@ -2156,7 +2321,7 @@
           <a:p>
             <a:fld id="{C8BC19B1-CC01-44C6-B518-3FF6E7FE4FAA}" type="datetimeFigureOut">
               <a:rPr lang="zh-CN" altLang="en-US" smtClean="0"/>
-              <a:t>2020-11-30</a:t>
+              <a:t>2021-08-22</a:t>
             </a:fld>
             <a:endParaRPr lang="zh-CN" altLang="en-US"/>
           </a:p>
@@ -2269,7 +2434,7 @@
           <a:p>
             <a:fld id="{C8BC19B1-CC01-44C6-B518-3FF6E7FE4FAA}" type="datetimeFigureOut">
               <a:rPr lang="zh-CN" altLang="en-US" smtClean="0"/>
-              <a:t>2020-11-30</a:t>
+              <a:t>2021-08-22</a:t>
             </a:fld>
             <a:endParaRPr lang="zh-CN" altLang="en-US"/>
           </a:p>
@@ -2580,7 +2745,7 @@
           <a:p>
             <a:fld id="{C8BC19B1-CC01-44C6-B518-3FF6E7FE4FAA}" type="datetimeFigureOut">
               <a:rPr lang="zh-CN" altLang="en-US" smtClean="0"/>
-              <a:t>2020-11-30</a:t>
+              <a:t>2021-08-22</a:t>
             </a:fld>
             <a:endParaRPr lang="zh-CN" altLang="en-US"/>
           </a:p>
@@ -2868,7 +3033,7 @@
           <a:p>
             <a:fld id="{C8BC19B1-CC01-44C6-B518-3FF6E7FE4FAA}" type="datetimeFigureOut">
               <a:rPr lang="zh-CN" altLang="en-US" smtClean="0"/>
-              <a:t>2020-11-30</a:t>
+              <a:t>2021-08-22</a:t>
             </a:fld>
             <a:endParaRPr lang="zh-CN" altLang="en-US"/>
           </a:p>
@@ -3109,7 +3274,7 @@
           <a:p>
             <a:fld id="{C8BC19B1-CC01-44C6-B518-3FF6E7FE4FAA}" type="datetimeFigureOut">
               <a:rPr lang="zh-CN" altLang="en-US" smtClean="0"/>
-              <a:t>2020-11-30</a:t>
+              <a:t>2021-08-22</a:t>
             </a:fld>
             <a:endParaRPr lang="zh-CN" altLang="en-US"/>
           </a:p>
@@ -6431,6 +6596,1103 @@
 </p:sld>
 </file>
 
+<file path=ppt/slides/slide3.xml><?xml version="1.0" encoding="utf-8"?>
+<p:sld xmlns:a="http://schemas.openxmlformats.org/drawingml/2006/main" xmlns:r="http://schemas.openxmlformats.org/officeDocument/2006/relationships" xmlns:p="http://schemas.openxmlformats.org/presentationml/2006/main">
+  <p:cSld>
+    <p:spTree>
+      <p:nvGrpSpPr>
+        <p:cNvPr id="1" name=""/>
+        <p:cNvGrpSpPr/>
+        <p:nvPr/>
+      </p:nvGrpSpPr>
+      <p:grpSpPr>
+        <a:xfrm>
+          <a:off x="0" y="0"/>
+          <a:ext cx="0" cy="0"/>
+          <a:chOff x="0" y="0"/>
+          <a:chExt cx="0" cy="0"/>
+        </a:xfrm>
+      </p:grpSpPr>
+      <p:pic>
+        <p:nvPicPr>
+          <p:cNvPr id="25" name="图片 24">
+            <a:extLst>
+              <a:ext uri="{FF2B5EF4-FFF2-40B4-BE49-F238E27FC236}">
+                <a16:creationId xmlns:a16="http://schemas.microsoft.com/office/drawing/2014/main" id="{07A8D77F-6312-4946-9D97-B805D1CAAEAB}"/>
+              </a:ext>
+            </a:extLst>
+          </p:cNvPr>
+          <p:cNvPicPr>
+            <a:picLocks noChangeAspect="1"/>
+          </p:cNvPicPr>
+          <p:nvPr/>
+        </p:nvPicPr>
+        <p:blipFill>
+          <a:blip r:embed="rId2"/>
+          <a:stretch>
+            <a:fillRect/>
+          </a:stretch>
+        </p:blipFill>
+        <p:spPr>
+          <a:xfrm>
+            <a:off x="1182609" y="534628"/>
+            <a:ext cx="5506022" cy="5402135"/>
+          </a:xfrm>
+          <a:prstGeom prst="rect">
+            <a:avLst/>
+          </a:prstGeom>
+        </p:spPr>
+      </p:pic>
+      <p:cxnSp>
+        <p:nvCxnSpPr>
+          <p:cNvPr id="8" name="直接箭头连接符 7">
+            <a:extLst>
+              <a:ext uri="{FF2B5EF4-FFF2-40B4-BE49-F238E27FC236}">
+                <a16:creationId xmlns:a16="http://schemas.microsoft.com/office/drawing/2014/main" id="{8C9F7433-D5EB-4EDD-BA2C-34633A487206}"/>
+              </a:ext>
+            </a:extLst>
+          </p:cNvPr>
+          <p:cNvCxnSpPr>
+            <a:cxnSpLocks/>
+          </p:cNvCxnSpPr>
+          <p:nvPr/>
+        </p:nvCxnSpPr>
+        <p:spPr>
+          <a:xfrm>
+            <a:off x="256153" y="1244324"/>
+            <a:ext cx="7027297" cy="0"/>
+          </a:xfrm>
+          <a:prstGeom prst="straightConnector1">
+            <a:avLst/>
+          </a:prstGeom>
+          <a:ln w="57150">
+            <a:solidFill>
+              <a:srgbClr val="FF0000"/>
+            </a:solidFill>
+            <a:tailEnd type="triangle"/>
+          </a:ln>
+        </p:spPr>
+        <p:style>
+          <a:lnRef idx="1">
+            <a:schemeClr val="accent1"/>
+          </a:lnRef>
+          <a:fillRef idx="0">
+            <a:schemeClr val="accent1"/>
+          </a:fillRef>
+          <a:effectRef idx="0">
+            <a:schemeClr val="accent1"/>
+          </a:effectRef>
+          <a:fontRef idx="minor">
+            <a:schemeClr val="tx1"/>
+          </a:fontRef>
+        </p:style>
+      </p:cxnSp>
+      <p:cxnSp>
+        <p:nvCxnSpPr>
+          <p:cNvPr id="18" name="直接箭头连接符 17">
+            <a:extLst>
+              <a:ext uri="{FF2B5EF4-FFF2-40B4-BE49-F238E27FC236}">
+                <a16:creationId xmlns:a16="http://schemas.microsoft.com/office/drawing/2014/main" id="{28C3C07A-B4DF-4AC8-9EBA-1688EA317900}"/>
+              </a:ext>
+            </a:extLst>
+          </p:cNvPr>
+          <p:cNvCxnSpPr>
+            <a:cxnSpLocks/>
+          </p:cNvCxnSpPr>
+          <p:nvPr/>
+        </p:nvCxnSpPr>
+        <p:spPr>
+          <a:xfrm>
+            <a:off x="1900803" y="-133604"/>
+            <a:ext cx="0" cy="6568744"/>
+          </a:xfrm>
+          <a:prstGeom prst="straightConnector1">
+            <a:avLst/>
+          </a:prstGeom>
+          <a:ln w="57150">
+            <a:solidFill>
+              <a:srgbClr val="92D050"/>
+            </a:solidFill>
+            <a:tailEnd type="triangle"/>
+          </a:ln>
+        </p:spPr>
+        <p:style>
+          <a:lnRef idx="1">
+            <a:schemeClr val="accent1"/>
+          </a:lnRef>
+          <a:fillRef idx="0">
+            <a:schemeClr val="accent1"/>
+          </a:fillRef>
+          <a:effectRef idx="0">
+            <a:schemeClr val="accent1"/>
+          </a:effectRef>
+          <a:fontRef idx="minor">
+            <a:schemeClr val="tx1"/>
+          </a:fontRef>
+        </p:style>
+      </p:cxnSp>
+      <p:sp>
+        <p:nvSpPr>
+          <p:cNvPr id="22" name="文本框 21">
+            <a:extLst>
+              <a:ext uri="{FF2B5EF4-FFF2-40B4-BE49-F238E27FC236}">
+                <a16:creationId xmlns:a16="http://schemas.microsoft.com/office/drawing/2014/main" id="{70490AE0-7CDE-4824-AF4B-F3F9D0B096F3}"/>
+              </a:ext>
+            </a:extLst>
+          </p:cNvPr>
+          <p:cNvSpPr txBox="1"/>
+          <p:nvPr/>
+        </p:nvSpPr>
+        <p:spPr>
+          <a:xfrm>
+            <a:off x="286800" y="992153"/>
+            <a:ext cx="8928652" cy="461665"/>
+          </a:xfrm>
+          <a:prstGeom prst="rect">
+            <a:avLst/>
+          </a:prstGeom>
+          <a:noFill/>
+        </p:spPr>
+        <p:txBody>
+          <a:bodyPr wrap="square" rtlCol="0">
+            <a:spAutoFit/>
+          </a:bodyPr>
+          <a:lstStyle/>
+          <a:p>
+            <a:r>
+              <a:rPr lang="en-US" altLang="zh-CN" sz="2400" b="1" dirty="0">
+                <a:solidFill>
+                  <a:srgbClr val="002060"/>
+                </a:solidFill>
+              </a:rPr>
+              <a:t>Lon-         0              1              2              3               4… Lon+</a:t>
+            </a:r>
+            <a:endParaRPr lang="zh-CN" altLang="en-US" sz="2400" b="1" dirty="0">
+              <a:solidFill>
+                <a:srgbClr val="002060"/>
+              </a:solidFill>
+            </a:endParaRPr>
+          </a:p>
+        </p:txBody>
+      </p:sp>
+      <p:sp>
+        <p:nvSpPr>
+          <p:cNvPr id="24" name="文本框 23">
+            <a:extLst>
+              <a:ext uri="{FF2B5EF4-FFF2-40B4-BE49-F238E27FC236}">
+                <a16:creationId xmlns:a16="http://schemas.microsoft.com/office/drawing/2014/main" id="{761C6EB7-603B-400A-82CB-0E36A3F2CA41}"/>
+              </a:ext>
+            </a:extLst>
+          </p:cNvPr>
+          <p:cNvSpPr txBox="1"/>
+          <p:nvPr/>
+        </p:nvSpPr>
+        <p:spPr>
+          <a:xfrm>
+            <a:off x="1282004" y="-20806"/>
+            <a:ext cx="768913" cy="6878806"/>
+          </a:xfrm>
+          <a:prstGeom prst="rect">
+            <a:avLst/>
+          </a:prstGeom>
+          <a:noFill/>
+        </p:spPr>
+        <p:txBody>
+          <a:bodyPr wrap="square" rtlCol="0">
+            <a:spAutoFit/>
+          </a:bodyPr>
+          <a:lstStyle/>
+          <a:p>
+            <a:pPr algn="r"/>
+            <a:r>
+              <a:rPr lang="en-US" altLang="zh-CN" sz="2300" b="1" dirty="0">
+                <a:solidFill>
+                  <a:srgbClr val="002060"/>
+                </a:solidFill>
+              </a:rPr>
+              <a:t>Lat-</a:t>
+            </a:r>
+          </a:p>
+          <a:p>
+            <a:pPr algn="r"/>
+            <a:endParaRPr lang="en-US" altLang="zh-CN" sz="2200" b="1" dirty="0">
+              <a:solidFill>
+                <a:srgbClr val="002060"/>
+              </a:solidFill>
+            </a:endParaRPr>
+          </a:p>
+          <a:p>
+            <a:pPr algn="r"/>
+            <a:endParaRPr lang="en-US" altLang="zh-CN" sz="2200" b="1" dirty="0">
+              <a:solidFill>
+                <a:srgbClr val="002060"/>
+              </a:solidFill>
+            </a:endParaRPr>
+          </a:p>
+          <a:p>
+            <a:pPr algn="r"/>
+            <a:r>
+              <a:rPr lang="en-US" altLang="zh-CN" sz="2200" b="1" dirty="0">
+                <a:solidFill>
+                  <a:srgbClr val="002060"/>
+                </a:solidFill>
+              </a:rPr>
+              <a:t>0</a:t>
+            </a:r>
+          </a:p>
+          <a:p>
+            <a:pPr algn="r"/>
+            <a:endParaRPr lang="en-US" altLang="zh-CN" sz="2200" b="1" dirty="0">
+              <a:solidFill>
+                <a:srgbClr val="002060"/>
+              </a:solidFill>
+            </a:endParaRPr>
+          </a:p>
+          <a:p>
+            <a:pPr algn="r"/>
+            <a:endParaRPr lang="en-US" altLang="zh-CN" sz="2200" b="1" dirty="0">
+              <a:solidFill>
+                <a:srgbClr val="002060"/>
+              </a:solidFill>
+            </a:endParaRPr>
+          </a:p>
+          <a:p>
+            <a:pPr algn="r"/>
+            <a:endParaRPr lang="en-US" altLang="zh-CN" sz="2200" b="1" dirty="0">
+              <a:solidFill>
+                <a:srgbClr val="002060"/>
+              </a:solidFill>
+            </a:endParaRPr>
+          </a:p>
+          <a:p>
+            <a:pPr algn="r"/>
+            <a:r>
+              <a:rPr lang="en-US" altLang="zh-CN" sz="2200" b="1" dirty="0">
+                <a:solidFill>
+                  <a:srgbClr val="002060"/>
+                </a:solidFill>
+              </a:rPr>
+              <a:t>1</a:t>
+            </a:r>
+          </a:p>
+          <a:p>
+            <a:pPr algn="r"/>
+            <a:endParaRPr lang="en-US" altLang="zh-CN" sz="2200" b="1" dirty="0">
+              <a:solidFill>
+                <a:srgbClr val="002060"/>
+              </a:solidFill>
+            </a:endParaRPr>
+          </a:p>
+          <a:p>
+            <a:pPr algn="r"/>
+            <a:endParaRPr lang="en-US" altLang="zh-CN" sz="2200" b="1" dirty="0">
+              <a:solidFill>
+                <a:srgbClr val="002060"/>
+              </a:solidFill>
+            </a:endParaRPr>
+          </a:p>
+          <a:p>
+            <a:pPr algn="r"/>
+            <a:endParaRPr lang="en-US" altLang="zh-CN" sz="2200" b="1" dirty="0">
+              <a:solidFill>
+                <a:srgbClr val="002060"/>
+              </a:solidFill>
+            </a:endParaRPr>
+          </a:p>
+          <a:p>
+            <a:pPr algn="r"/>
+            <a:r>
+              <a:rPr lang="en-US" altLang="zh-CN" sz="2200" b="1" dirty="0">
+                <a:solidFill>
+                  <a:srgbClr val="002060"/>
+                </a:solidFill>
+              </a:rPr>
+              <a:t>2</a:t>
+            </a:r>
+          </a:p>
+          <a:p>
+            <a:pPr algn="r"/>
+            <a:endParaRPr lang="en-US" altLang="zh-CN" sz="2200" b="1" dirty="0">
+              <a:solidFill>
+                <a:srgbClr val="002060"/>
+              </a:solidFill>
+            </a:endParaRPr>
+          </a:p>
+          <a:p>
+            <a:pPr algn="r"/>
+            <a:endParaRPr lang="en-US" altLang="zh-CN" sz="2200" b="1" dirty="0">
+              <a:solidFill>
+                <a:srgbClr val="002060"/>
+              </a:solidFill>
+            </a:endParaRPr>
+          </a:p>
+          <a:p>
+            <a:pPr algn="r"/>
+            <a:endParaRPr lang="en-US" altLang="zh-CN" sz="2200" b="1" dirty="0">
+              <a:solidFill>
+                <a:srgbClr val="002060"/>
+              </a:solidFill>
+            </a:endParaRPr>
+          </a:p>
+          <a:p>
+            <a:pPr algn="r"/>
+            <a:r>
+              <a:rPr lang="en-US" altLang="zh-CN" sz="2200" b="1" dirty="0">
+                <a:solidFill>
+                  <a:srgbClr val="002060"/>
+                </a:solidFill>
+              </a:rPr>
+              <a:t>3</a:t>
+            </a:r>
+          </a:p>
+          <a:p>
+            <a:pPr algn="r"/>
+            <a:endParaRPr lang="en-US" altLang="zh-CN" sz="2200" b="1" dirty="0">
+              <a:solidFill>
+                <a:srgbClr val="002060"/>
+              </a:solidFill>
+            </a:endParaRPr>
+          </a:p>
+          <a:p>
+            <a:pPr algn="r"/>
+            <a:endParaRPr lang="en-US" altLang="zh-CN" sz="2200" b="1" dirty="0">
+              <a:solidFill>
+                <a:srgbClr val="002060"/>
+              </a:solidFill>
+            </a:endParaRPr>
+          </a:p>
+          <a:p>
+            <a:pPr algn="r"/>
+            <a:r>
+              <a:rPr lang="en-US" altLang="zh-CN" sz="2200" b="1" dirty="0">
+                <a:solidFill>
+                  <a:srgbClr val="002060"/>
+                </a:solidFill>
+              </a:rPr>
+              <a:t>4</a:t>
+            </a:r>
+            <a:r>
+              <a:rPr lang="en-US" altLang="zh-CN" sz="1050" b="1" dirty="0">
+                <a:solidFill>
+                  <a:srgbClr val="002060"/>
+                </a:solidFill>
+              </a:rPr>
+              <a:t>……</a:t>
+            </a:r>
+          </a:p>
+          <a:p>
+            <a:pPr algn="r"/>
+            <a:r>
+              <a:rPr lang="en-US" altLang="zh-CN" sz="2200" b="1" dirty="0">
+                <a:solidFill>
+                  <a:srgbClr val="002060"/>
+                </a:solidFill>
+              </a:rPr>
+              <a:t>Lat+</a:t>
+            </a:r>
+          </a:p>
+        </p:txBody>
+      </p:sp>
+      <p:sp>
+        <p:nvSpPr>
+          <p:cNvPr id="2" name="文本框 1">
+            <a:extLst>
+              <a:ext uri="{FF2B5EF4-FFF2-40B4-BE49-F238E27FC236}">
+                <a16:creationId xmlns:a16="http://schemas.microsoft.com/office/drawing/2014/main" id="{D883025B-9371-4B64-9765-92E491A39D13}"/>
+              </a:ext>
+            </a:extLst>
+          </p:cNvPr>
+          <p:cNvSpPr txBox="1"/>
+          <p:nvPr/>
+        </p:nvSpPr>
+        <p:spPr>
+          <a:xfrm>
+            <a:off x="9659454" y="1165556"/>
+            <a:ext cx="3925957" cy="923330"/>
+          </a:xfrm>
+          <a:prstGeom prst="rect">
+            <a:avLst/>
+          </a:prstGeom>
+          <a:noFill/>
+        </p:spPr>
+        <p:txBody>
+          <a:bodyPr wrap="square" rtlCol="0">
+            <a:spAutoFit/>
+          </a:bodyPr>
+          <a:lstStyle/>
+          <a:p>
+            <a:r>
+              <a:rPr lang="en-US" altLang="zh-CN" dirty="0"/>
+              <a:t>Overviewer coordinate reference system </a:t>
+            </a:r>
+          </a:p>
+          <a:p>
+            <a:r>
+              <a:rPr lang="en-US" altLang="zh-CN" dirty="0"/>
+              <a:t>Leaflet </a:t>
+            </a:r>
+            <a:r>
+              <a:rPr lang="en-US" altLang="zh-CN" dirty="0" err="1"/>
+              <a:t>CRS.Simple</a:t>
+            </a:r>
+            <a:endParaRPr lang="zh-CN" altLang="en-US" dirty="0"/>
+          </a:p>
+        </p:txBody>
+      </p:sp>
+      <p:graphicFrame>
+        <p:nvGraphicFramePr>
+          <p:cNvPr id="9" name="表格 8">
+            <a:extLst>
+              <a:ext uri="{FF2B5EF4-FFF2-40B4-BE49-F238E27FC236}">
+                <a16:creationId xmlns:a16="http://schemas.microsoft.com/office/drawing/2014/main" id="{5956A54D-DF5A-4556-B954-27232FA7A398}"/>
+              </a:ext>
+            </a:extLst>
+          </p:cNvPr>
+          <p:cNvGraphicFramePr>
+            <a:graphicFrameLocks noGrp="1"/>
+          </p:cNvGraphicFramePr>
+          <p:nvPr>
+            <p:extLst>
+              <p:ext uri="{D42A27DB-BD31-4B8C-83A1-F6EECF244321}">
+                <p14:modId xmlns:p14="http://schemas.microsoft.com/office/powerpoint/2010/main" val="1387963659"/>
+              </p:ext>
+            </p:extLst>
+          </p:nvPr>
+        </p:nvGraphicFramePr>
+        <p:xfrm>
+          <a:off x="6865613" y="3907803"/>
+          <a:ext cx="1129728" cy="1051294"/>
+        </p:xfrm>
+        <a:graphic>
+          <a:graphicData uri="http://schemas.openxmlformats.org/drawingml/2006/table">
+            <a:tbl>
+              <a:tblPr firstRow="1" bandRow="1">
+                <a:tableStyleId>{5C22544A-7EE6-4342-B048-85BDC9FD1C3A}</a:tableStyleId>
+              </a:tblPr>
+              <a:tblGrid>
+                <a:gridCol w="564864">
+                  <a:extLst>
+                    <a:ext uri="{9D8B030D-6E8A-4147-A177-3AD203B41FA5}">
+                      <a16:colId xmlns:a16="http://schemas.microsoft.com/office/drawing/2014/main" val="1770315781"/>
+                    </a:ext>
+                  </a:extLst>
+                </a:gridCol>
+                <a:gridCol w="564864">
+                  <a:extLst>
+                    <a:ext uri="{9D8B030D-6E8A-4147-A177-3AD203B41FA5}">
+                      <a16:colId xmlns:a16="http://schemas.microsoft.com/office/drawing/2014/main" val="1736081006"/>
+                    </a:ext>
+                  </a:extLst>
+                </a:gridCol>
+              </a:tblGrid>
+              <a:tr h="525647">
+                <a:tc>
+                  <a:txBody>
+                    <a:bodyPr/>
+                    <a:lstStyle/>
+                    <a:p>
+                      <a:endParaRPr lang="zh-CN" altLang="en-US" sz="1200" dirty="0"/>
+                    </a:p>
+                  </a:txBody>
+                  <a:tcPr marL="59390" marR="59390" marT="29695" marB="29695">
+                    <a:lnL w="12700" cap="flat" cmpd="sng" algn="ctr">
+                      <a:solidFill>
+                        <a:schemeClr val="tx1"/>
+                      </a:solidFill>
+                      <a:prstDash val="solid"/>
+                      <a:round/>
+                      <a:headEnd type="none" w="med" len="med"/>
+                      <a:tailEnd type="none" w="med" len="med"/>
+                    </a:lnL>
+                    <a:lnT w="12700" cap="flat" cmpd="sng" algn="ctr">
+                      <a:solidFill>
+                        <a:schemeClr val="tx1"/>
+                      </a:solidFill>
+                      <a:prstDash val="solid"/>
+                      <a:round/>
+                      <a:headEnd type="none" w="med" len="med"/>
+                      <a:tailEnd type="none" w="med" len="med"/>
+                    </a:lnT>
+                    <a:solidFill>
+                      <a:schemeClr val="accent2">
+                        <a:lumMod val="40000"/>
+                        <a:lumOff val="60000"/>
+                      </a:schemeClr>
+                    </a:solidFill>
+                  </a:tcPr>
+                </a:tc>
+                <a:tc>
+                  <a:txBody>
+                    <a:bodyPr/>
+                    <a:lstStyle/>
+                    <a:p>
+                      <a:endParaRPr lang="zh-CN" altLang="en-US" sz="1200" dirty="0"/>
+                    </a:p>
+                  </a:txBody>
+                  <a:tcPr marL="59390" marR="59390" marT="29695" marB="29695">
+                    <a:lnR w="12700" cap="flat" cmpd="sng" algn="ctr">
+                      <a:solidFill>
+                        <a:schemeClr val="tx1"/>
+                      </a:solidFill>
+                      <a:prstDash val="solid"/>
+                      <a:round/>
+                      <a:headEnd type="none" w="med" len="med"/>
+                      <a:tailEnd type="none" w="med" len="med"/>
+                    </a:lnR>
+                    <a:lnT w="12700" cap="flat" cmpd="sng" algn="ctr">
+                      <a:solidFill>
+                        <a:schemeClr val="tx1"/>
+                      </a:solidFill>
+                      <a:prstDash val="solid"/>
+                      <a:round/>
+                      <a:headEnd type="none" w="med" len="med"/>
+                      <a:tailEnd type="none" w="med" len="med"/>
+                    </a:lnT>
+                    <a:solidFill>
+                      <a:schemeClr val="accent2">
+                        <a:lumMod val="40000"/>
+                        <a:lumOff val="60000"/>
+                      </a:schemeClr>
+                    </a:solidFill>
+                  </a:tcPr>
+                </a:tc>
+                <a:extLst>
+                  <a:ext uri="{0D108BD9-81ED-4DB2-BD59-A6C34878D82A}">
+                    <a16:rowId xmlns:a16="http://schemas.microsoft.com/office/drawing/2014/main" val="3615432839"/>
+                  </a:ext>
+                </a:extLst>
+              </a:tr>
+              <a:tr h="525647">
+                <a:tc>
+                  <a:txBody>
+                    <a:bodyPr/>
+                    <a:lstStyle/>
+                    <a:p>
+                      <a:endParaRPr lang="zh-CN" altLang="en-US" sz="1200" dirty="0"/>
+                    </a:p>
+                  </a:txBody>
+                  <a:tcPr marL="59390" marR="59390" marT="29695" marB="29695">
+                    <a:lnL w="12700" cap="flat" cmpd="sng" algn="ctr">
+                      <a:solidFill>
+                        <a:schemeClr val="tx1"/>
+                      </a:solidFill>
+                      <a:prstDash val="solid"/>
+                      <a:round/>
+                      <a:headEnd type="none" w="med" len="med"/>
+                      <a:tailEnd type="none" w="med" len="med"/>
+                    </a:lnL>
+                    <a:lnB w="12700" cap="flat" cmpd="sng" algn="ctr">
+                      <a:solidFill>
+                        <a:schemeClr val="tx1"/>
+                      </a:solidFill>
+                      <a:prstDash val="solid"/>
+                      <a:round/>
+                      <a:headEnd type="none" w="med" len="med"/>
+                      <a:tailEnd type="none" w="med" len="med"/>
+                    </a:lnB>
+                    <a:solidFill>
+                      <a:schemeClr val="accent2">
+                        <a:lumMod val="40000"/>
+                        <a:lumOff val="60000"/>
+                      </a:schemeClr>
+                    </a:solidFill>
+                  </a:tcPr>
+                </a:tc>
+                <a:tc>
+                  <a:txBody>
+                    <a:bodyPr/>
+                    <a:lstStyle/>
+                    <a:p>
+                      <a:endParaRPr lang="zh-CN" altLang="en-US" sz="1200" dirty="0"/>
+                    </a:p>
+                  </a:txBody>
+                  <a:tcPr marL="59390" marR="59390" marT="29695" marB="29695">
+                    <a:lnR w="12700" cap="flat" cmpd="sng" algn="ctr">
+                      <a:solidFill>
+                        <a:schemeClr val="tx1"/>
+                      </a:solidFill>
+                      <a:prstDash val="solid"/>
+                      <a:round/>
+                      <a:headEnd type="none" w="med" len="med"/>
+                      <a:tailEnd type="none" w="med" len="med"/>
+                    </a:lnR>
+                    <a:lnB w="12700" cap="flat" cmpd="sng" algn="ctr">
+                      <a:solidFill>
+                        <a:schemeClr val="tx1"/>
+                      </a:solidFill>
+                      <a:prstDash val="solid"/>
+                      <a:round/>
+                      <a:headEnd type="none" w="med" len="med"/>
+                      <a:tailEnd type="none" w="med" len="med"/>
+                    </a:lnB>
+                    <a:solidFill>
+                      <a:schemeClr val="accent2">
+                        <a:lumMod val="40000"/>
+                        <a:lumOff val="60000"/>
+                      </a:schemeClr>
+                    </a:solidFill>
+                  </a:tcPr>
+                </a:tc>
+                <a:extLst>
+                  <a:ext uri="{0D108BD9-81ED-4DB2-BD59-A6C34878D82A}">
+                    <a16:rowId xmlns:a16="http://schemas.microsoft.com/office/drawing/2014/main" val="1042322773"/>
+                  </a:ext>
+                </a:extLst>
+              </a:tr>
+            </a:tbl>
+          </a:graphicData>
+        </a:graphic>
+      </p:graphicFrame>
+      <p:sp>
+        <p:nvSpPr>
+          <p:cNvPr id="10" name="文本框 9">
+            <a:extLst>
+              <a:ext uri="{FF2B5EF4-FFF2-40B4-BE49-F238E27FC236}">
+                <a16:creationId xmlns:a16="http://schemas.microsoft.com/office/drawing/2014/main" id="{34C9DBF4-CD33-443C-8AB1-45C2B5571234}"/>
+              </a:ext>
+            </a:extLst>
+          </p:cNvPr>
+          <p:cNvSpPr txBox="1"/>
+          <p:nvPr/>
+        </p:nvSpPr>
+        <p:spPr>
+          <a:xfrm>
+            <a:off x="6963041" y="5083036"/>
+            <a:ext cx="934871" cy="1661993"/>
+          </a:xfrm>
+          <a:prstGeom prst="rect">
+            <a:avLst/>
+          </a:prstGeom>
+          <a:noFill/>
+        </p:spPr>
+        <p:txBody>
+          <a:bodyPr wrap="square" rtlCol="0">
+            <a:spAutoFit/>
+          </a:bodyPr>
+          <a:lstStyle/>
+          <a:p>
+            <a:pPr algn="ctr"/>
+            <a:r>
+              <a:rPr lang="zh-CN" altLang="en-US" sz="5400" b="1" dirty="0">
+                <a:solidFill>
+                  <a:srgbClr val="002060"/>
+                </a:solidFill>
+              </a:rPr>
+              <a:t>↑</a:t>
+            </a:r>
+            <a:endParaRPr lang="en-US" altLang="zh-CN" sz="5400" b="1" dirty="0">
+              <a:solidFill>
+                <a:srgbClr val="002060"/>
+              </a:solidFill>
+            </a:endParaRPr>
+          </a:p>
+          <a:p>
+            <a:pPr algn="ctr"/>
+            <a:r>
+              <a:rPr lang="en-US" altLang="zh-CN" sz="2400" b="1" dirty="0">
+                <a:solidFill>
+                  <a:srgbClr val="002060"/>
+                </a:solidFill>
+              </a:rPr>
+              <a:t>=</a:t>
+            </a:r>
+          </a:p>
+          <a:p>
+            <a:pPr algn="ctr"/>
+            <a:r>
+              <a:rPr lang="en-US" altLang="zh-CN" sz="2400" b="1" dirty="0">
+                <a:solidFill>
+                  <a:srgbClr val="002060"/>
+                </a:solidFill>
+              </a:rPr>
+              <a:t>1 Tile</a:t>
+            </a:r>
+            <a:endParaRPr lang="zh-CN" altLang="en-US" sz="2400" b="1" dirty="0">
+              <a:solidFill>
+                <a:srgbClr val="002060"/>
+              </a:solidFill>
+            </a:endParaRPr>
+          </a:p>
+        </p:txBody>
+      </p:sp>
+      <p:cxnSp>
+        <p:nvCxnSpPr>
+          <p:cNvPr id="23" name="直接箭头连接符 22">
+            <a:extLst>
+              <a:ext uri="{FF2B5EF4-FFF2-40B4-BE49-F238E27FC236}">
+                <a16:creationId xmlns:a16="http://schemas.microsoft.com/office/drawing/2014/main" id="{4F4C5BA0-6D85-4667-A5DF-86287FEEB2D6}"/>
+              </a:ext>
+            </a:extLst>
+          </p:cNvPr>
+          <p:cNvCxnSpPr>
+            <a:cxnSpLocks/>
+          </p:cNvCxnSpPr>
+          <p:nvPr/>
+        </p:nvCxnSpPr>
+        <p:spPr>
+          <a:xfrm>
+            <a:off x="-67543" y="3225800"/>
+            <a:ext cx="8033635" cy="0"/>
+          </a:xfrm>
+          <a:prstGeom prst="straightConnector1">
+            <a:avLst/>
+          </a:prstGeom>
+          <a:ln w="57150">
+            <a:solidFill>
+              <a:srgbClr val="FF0000"/>
+            </a:solidFill>
+            <a:tailEnd type="triangle"/>
+          </a:ln>
+        </p:spPr>
+        <p:style>
+          <a:lnRef idx="1">
+            <a:schemeClr val="accent1"/>
+          </a:lnRef>
+          <a:fillRef idx="0">
+            <a:schemeClr val="accent1"/>
+          </a:fillRef>
+          <a:effectRef idx="0">
+            <a:schemeClr val="accent1"/>
+          </a:effectRef>
+          <a:fontRef idx="minor">
+            <a:schemeClr val="tx1"/>
+          </a:fontRef>
+        </p:style>
+      </p:cxnSp>
+      <p:cxnSp>
+        <p:nvCxnSpPr>
+          <p:cNvPr id="26" name="直接箭头连接符 25">
+            <a:extLst>
+              <a:ext uri="{FF2B5EF4-FFF2-40B4-BE49-F238E27FC236}">
+                <a16:creationId xmlns:a16="http://schemas.microsoft.com/office/drawing/2014/main" id="{0A5A9637-66B5-4DB9-81F2-17DC41F8BE79}"/>
+              </a:ext>
+            </a:extLst>
+          </p:cNvPr>
+          <p:cNvCxnSpPr>
+            <a:cxnSpLocks/>
+          </p:cNvCxnSpPr>
+          <p:nvPr/>
+        </p:nvCxnSpPr>
+        <p:spPr>
+          <a:xfrm flipV="1">
+            <a:off x="3909270" y="-88900"/>
+            <a:ext cx="0" cy="6505162"/>
+          </a:xfrm>
+          <a:prstGeom prst="straightConnector1">
+            <a:avLst/>
+          </a:prstGeom>
+          <a:ln w="57150">
+            <a:solidFill>
+              <a:srgbClr val="92D050"/>
+            </a:solidFill>
+            <a:tailEnd type="triangle"/>
+          </a:ln>
+        </p:spPr>
+        <p:style>
+          <a:lnRef idx="1">
+            <a:schemeClr val="accent1"/>
+          </a:lnRef>
+          <a:fillRef idx="0">
+            <a:schemeClr val="accent1"/>
+          </a:fillRef>
+          <a:effectRef idx="0">
+            <a:schemeClr val="accent1"/>
+          </a:effectRef>
+          <a:fontRef idx="minor">
+            <a:schemeClr val="tx1"/>
+          </a:fontRef>
+        </p:style>
+      </p:cxnSp>
+      <p:sp>
+        <p:nvSpPr>
+          <p:cNvPr id="27" name="文本框 26">
+            <a:extLst>
+              <a:ext uri="{FF2B5EF4-FFF2-40B4-BE49-F238E27FC236}">
+                <a16:creationId xmlns:a16="http://schemas.microsoft.com/office/drawing/2014/main" id="{440F10CB-0959-4909-80CC-0DDF59C412BB}"/>
+              </a:ext>
+            </a:extLst>
+          </p:cNvPr>
+          <p:cNvSpPr txBox="1"/>
+          <p:nvPr/>
+        </p:nvSpPr>
+        <p:spPr>
+          <a:xfrm>
+            <a:off x="87398" y="2932848"/>
+            <a:ext cx="8296856" cy="461665"/>
+          </a:xfrm>
+          <a:prstGeom prst="rect">
+            <a:avLst/>
+          </a:prstGeom>
+          <a:noFill/>
+        </p:spPr>
+        <p:txBody>
+          <a:bodyPr wrap="square" rtlCol="0">
+            <a:spAutoFit/>
+          </a:bodyPr>
+          <a:lstStyle/>
+          <a:p>
+            <a:r>
+              <a:rPr lang="en-US" altLang="zh-CN" sz="2400" b="1" dirty="0">
+                <a:solidFill>
+                  <a:srgbClr val="002060"/>
+                </a:solidFill>
+              </a:rPr>
+              <a:t>A- … -4    -3    -2     -1      0      1      2      3      4……  A+</a:t>
+            </a:r>
+            <a:endParaRPr lang="zh-CN" altLang="en-US" sz="2400" b="1" dirty="0">
+              <a:solidFill>
+                <a:srgbClr val="002060"/>
+              </a:solidFill>
+            </a:endParaRPr>
+          </a:p>
+        </p:txBody>
+      </p:sp>
+      <p:sp>
+        <p:nvSpPr>
+          <p:cNvPr id="28" name="文本框 27">
+            <a:extLst>
+              <a:ext uri="{FF2B5EF4-FFF2-40B4-BE49-F238E27FC236}">
+                <a16:creationId xmlns:a16="http://schemas.microsoft.com/office/drawing/2014/main" id="{95A76AD0-A301-44F4-80AD-69F5D8DE2212}"/>
+              </a:ext>
+            </a:extLst>
+          </p:cNvPr>
+          <p:cNvSpPr txBox="1"/>
+          <p:nvPr/>
+        </p:nvSpPr>
+        <p:spPr>
+          <a:xfrm>
+            <a:off x="3465035" y="-321325"/>
+            <a:ext cx="610175" cy="7094250"/>
+          </a:xfrm>
+          <a:prstGeom prst="rect">
+            <a:avLst/>
+          </a:prstGeom>
+          <a:noFill/>
+        </p:spPr>
+        <p:txBody>
+          <a:bodyPr wrap="square" rtlCol="0">
+            <a:spAutoFit/>
+          </a:bodyPr>
+          <a:lstStyle/>
+          <a:p>
+            <a:pPr algn="r"/>
+            <a:r>
+              <a:rPr lang="en-US" altLang="zh-CN" sz="2300" b="1" dirty="0">
+                <a:solidFill>
+                  <a:srgbClr val="002060"/>
+                </a:solidFill>
+              </a:rPr>
+              <a:t>B+</a:t>
+            </a:r>
+          </a:p>
+          <a:p>
+            <a:pPr algn="r"/>
+            <a:r>
+              <a:rPr lang="en-US" altLang="zh-CN" sz="1100" b="1" dirty="0">
+                <a:solidFill>
+                  <a:srgbClr val="002060"/>
+                </a:solidFill>
+              </a:rPr>
+              <a:t>……</a:t>
+            </a:r>
+          </a:p>
+          <a:p>
+            <a:pPr algn="r"/>
+            <a:r>
+              <a:rPr lang="en-US" altLang="zh-CN" sz="2300" b="1" dirty="0">
+                <a:solidFill>
+                  <a:srgbClr val="002060"/>
+                </a:solidFill>
+              </a:rPr>
+              <a:t>4</a:t>
+            </a:r>
+          </a:p>
+          <a:p>
+            <a:pPr algn="r"/>
+            <a:endParaRPr lang="en-US" altLang="zh-CN" sz="2300" b="1" dirty="0">
+              <a:solidFill>
+                <a:srgbClr val="002060"/>
+              </a:solidFill>
+            </a:endParaRPr>
+          </a:p>
+          <a:p>
+            <a:pPr algn="r"/>
+            <a:r>
+              <a:rPr lang="en-US" altLang="zh-CN" sz="2300" b="1" dirty="0">
+                <a:solidFill>
+                  <a:srgbClr val="002060"/>
+                </a:solidFill>
+              </a:rPr>
+              <a:t>3</a:t>
+            </a:r>
+          </a:p>
+          <a:p>
+            <a:pPr algn="r"/>
+            <a:endParaRPr lang="en-US" altLang="zh-CN" sz="2300" b="1" dirty="0">
+              <a:solidFill>
+                <a:srgbClr val="002060"/>
+              </a:solidFill>
+            </a:endParaRPr>
+          </a:p>
+          <a:p>
+            <a:pPr algn="r"/>
+            <a:r>
+              <a:rPr lang="en-US" altLang="zh-CN" sz="2300" b="1" dirty="0">
+                <a:solidFill>
+                  <a:srgbClr val="002060"/>
+                </a:solidFill>
+              </a:rPr>
+              <a:t>2</a:t>
+            </a:r>
+          </a:p>
+          <a:p>
+            <a:pPr algn="r"/>
+            <a:endParaRPr lang="en-US" altLang="zh-CN" sz="2300" b="1" dirty="0">
+              <a:solidFill>
+                <a:srgbClr val="002060"/>
+              </a:solidFill>
+            </a:endParaRPr>
+          </a:p>
+          <a:p>
+            <a:pPr algn="r"/>
+            <a:r>
+              <a:rPr lang="en-US" altLang="zh-CN" sz="2300" b="1" dirty="0">
+                <a:solidFill>
+                  <a:srgbClr val="002060"/>
+                </a:solidFill>
+              </a:rPr>
+              <a:t>1</a:t>
+            </a:r>
+          </a:p>
+          <a:p>
+            <a:pPr algn="r"/>
+            <a:endParaRPr lang="en-US" altLang="zh-CN" sz="2300" b="1" dirty="0">
+              <a:solidFill>
+                <a:srgbClr val="002060"/>
+              </a:solidFill>
+            </a:endParaRPr>
+          </a:p>
+          <a:p>
+            <a:pPr algn="r"/>
+            <a:endParaRPr lang="en-US" altLang="zh-CN" sz="1600" b="1" dirty="0">
+              <a:solidFill>
+                <a:srgbClr val="002060"/>
+              </a:solidFill>
+            </a:endParaRPr>
+          </a:p>
+          <a:p>
+            <a:pPr algn="r"/>
+            <a:endParaRPr lang="en-US" altLang="zh-CN" sz="2300" b="1" dirty="0">
+              <a:solidFill>
+                <a:srgbClr val="002060"/>
+              </a:solidFill>
+            </a:endParaRPr>
+          </a:p>
+          <a:p>
+            <a:pPr algn="r"/>
+            <a:r>
+              <a:rPr lang="en-US" altLang="zh-CN" sz="2200" b="1" dirty="0">
+                <a:solidFill>
+                  <a:srgbClr val="002060"/>
+                </a:solidFill>
+              </a:rPr>
+              <a:t>-1</a:t>
+            </a:r>
+          </a:p>
+          <a:p>
+            <a:pPr algn="r"/>
+            <a:endParaRPr lang="en-US" altLang="zh-CN" sz="2200" b="1" dirty="0">
+              <a:solidFill>
+                <a:srgbClr val="002060"/>
+              </a:solidFill>
+            </a:endParaRPr>
+          </a:p>
+          <a:p>
+            <a:pPr algn="r"/>
+            <a:r>
+              <a:rPr lang="en-US" altLang="zh-CN" sz="2200" b="1" dirty="0">
+                <a:solidFill>
+                  <a:srgbClr val="002060"/>
+                </a:solidFill>
+              </a:rPr>
+              <a:t>-2</a:t>
+            </a:r>
+          </a:p>
+          <a:p>
+            <a:pPr algn="r"/>
+            <a:endParaRPr lang="en-US" altLang="zh-CN" sz="2200" b="1" dirty="0">
+              <a:solidFill>
+                <a:srgbClr val="002060"/>
+              </a:solidFill>
+            </a:endParaRPr>
+          </a:p>
+          <a:p>
+            <a:pPr algn="r"/>
+            <a:r>
+              <a:rPr lang="en-US" altLang="zh-CN" sz="2200" b="1" dirty="0">
+                <a:solidFill>
+                  <a:srgbClr val="002060"/>
+                </a:solidFill>
+              </a:rPr>
+              <a:t>-3</a:t>
+            </a:r>
+          </a:p>
+          <a:p>
+            <a:pPr algn="r"/>
+            <a:endParaRPr lang="en-US" altLang="zh-CN" sz="2200" b="1" dirty="0">
+              <a:solidFill>
+                <a:srgbClr val="002060"/>
+              </a:solidFill>
+            </a:endParaRPr>
+          </a:p>
+          <a:p>
+            <a:pPr algn="r"/>
+            <a:r>
+              <a:rPr lang="en-US" altLang="zh-CN" sz="2200" b="1" dirty="0">
+                <a:solidFill>
+                  <a:srgbClr val="002060"/>
+                </a:solidFill>
+              </a:rPr>
+              <a:t>-4</a:t>
+            </a:r>
+          </a:p>
+          <a:p>
+            <a:pPr algn="r"/>
+            <a:r>
+              <a:rPr lang="en-US" altLang="zh-CN" sz="1050" b="1" dirty="0">
+                <a:solidFill>
+                  <a:srgbClr val="002060"/>
+                </a:solidFill>
+              </a:rPr>
+              <a:t>……</a:t>
+            </a:r>
+          </a:p>
+          <a:p>
+            <a:pPr algn="r"/>
+            <a:r>
+              <a:rPr lang="en-US" altLang="zh-CN" sz="2200" b="1" dirty="0">
+                <a:solidFill>
+                  <a:srgbClr val="002060"/>
+                </a:solidFill>
+              </a:rPr>
+              <a:t>B-</a:t>
+            </a:r>
+          </a:p>
+        </p:txBody>
+      </p:sp>
+    </p:spTree>
+    <p:extLst>
+      <p:ext uri="{BB962C8B-B14F-4D97-AF65-F5344CB8AC3E}">
+        <p14:creationId xmlns:p14="http://schemas.microsoft.com/office/powerpoint/2010/main" val="1823947985"/>
+      </p:ext>
+    </p:extLst>
+  </p:cSld>
+  <p:clrMapOvr>
+    <a:masterClrMapping/>
+  </p:clrMapOvr>
+</p:sld>
+</file>
+
 <file path=ppt/theme/theme1.xml><?xml version="1.0" encoding="utf-8"?>
 <a:theme xmlns:a="http://schemas.openxmlformats.org/drawingml/2006/main" name="Office 主题​​">
   <a:themeElements>
